--- a/concurrency.pptx
+++ b/concurrency.pptx
@@ -5,7 +5,7 @@
     <p:sldMasterId id="2147483654" r:id="rId1"/>
   </p:sldMasterIdLst>
   <p:notesMasterIdLst>
-    <p:notesMasterId r:id="rId8"/>
+    <p:notesMasterId r:id="rId20"/>
   </p:notesMasterIdLst>
   <p:sldIdLst>
     <p:sldId id="256" r:id="rId2"/>
@@ -13,7 +13,19 @@
     <p:sldId id="258" r:id="rId4"/>
     <p:sldId id="259" r:id="rId5"/>
     <p:sldId id="260" r:id="rId6"/>
-    <p:sldId id="261" r:id="rId7"/>
+    <p:sldId id="264" r:id="rId7"/>
+    <p:sldId id="261" r:id="rId8"/>
+    <p:sldId id="262" r:id="rId9"/>
+    <p:sldId id="265" r:id="rId10"/>
+    <p:sldId id="267" r:id="rId11"/>
+    <p:sldId id="268" r:id="rId12"/>
+    <p:sldId id="269" r:id="rId13"/>
+    <p:sldId id="266" r:id="rId14"/>
+    <p:sldId id="270" r:id="rId15"/>
+    <p:sldId id="271" r:id="rId16"/>
+    <p:sldId id="272" r:id="rId17"/>
+    <p:sldId id="273" r:id="rId18"/>
+    <p:sldId id="274" r:id="rId19"/>
   </p:sldIdLst>
   <p:sldSz cx="9144000" cy="5143500" type="screen16x9"/>
   <p:notesSz cx="6858000" cy="9144000"/>
@@ -2560,11 +2572,11 @@
             </a:pPr>
             <a:r>
               <a:rPr lang="ru-RU" dirty="0" smtClean="0"/>
-              <a:t>Многопоточно</a:t>
+              <a:t>Многопоточное </a:t>
             </a:r>
             <a:r>
               <a:rPr lang="ru-RU" dirty="0" smtClean="0"/>
-              <a:t>е программирование</a:t>
+              <a:t>программирование</a:t>
             </a:r>
             <a:br>
               <a:rPr lang="ru-RU" dirty="0" smtClean="0"/>
@@ -2594,7 +2606,7 @@
         <p:spPr>
           <a:xfrm>
             <a:off x="685800" y="2840053"/>
-            <a:ext cx="7772400" cy="784737"/>
+            <a:ext cx="7772400" cy="1387881"/>
           </a:xfrm>
           <a:prstGeom prst="rect">
             <a:avLst/>
@@ -2612,10 +2624,34 @@
               </a:spcBef>
               <a:buNone/>
             </a:pPr>
-            <a:r>
-              <a:rPr lang="en"/>
+            <a:endParaRPr lang="ru-RU" dirty="0" smtClean="0"/>
+          </a:p>
+          <a:p>
+            <a:pPr>
+              <a:spcBef>
+                <a:spcPts val="0"/>
+              </a:spcBef>
+              <a:buNone/>
+            </a:pPr>
+            <a:r>
+              <a:rPr lang="en" dirty="0" smtClean="0"/>
               <a:t>Владимир Поляков</a:t>
             </a:r>
+          </a:p>
+          <a:p>
+            <a:pPr>
+              <a:spcBef>
+                <a:spcPts val="0"/>
+              </a:spcBef>
+              <a:buNone/>
+            </a:pPr>
+            <a:r>
+              <a:rPr lang="en-US" sz="2000" dirty="0" smtClean="0">
+                <a:hlinkClick r:id="rId3"/>
+              </a:rPr>
+              <a:t>vladimir.p.polyakov@gmail.com</a:t>
+            </a:r>
+            <a:endParaRPr lang="en-US" sz="2000" dirty="0" smtClean="0"/>
           </a:p>
         </p:txBody>
       </p:sp>
@@ -2627,6 +2663,818 @@
   <p:transition spd="slow">
     <p:cut/>
   </p:transition>
+  <p:timing>
+    <p:tnLst>
+      <p:par>
+        <p:cTn id="1" dur="indefinite" restart="never" nodeType="tmRoot"/>
+      </p:par>
+    </p:tnLst>
+  </p:timing>
+</p:sld>
+</file>
+
+<file path=ppt/slides/slide10.xml><?xml version="1.0" encoding="utf-8"?>
+<p:sld xmlns:a="http://schemas.openxmlformats.org/drawingml/2006/main" xmlns:r="http://schemas.openxmlformats.org/officeDocument/2006/relationships" xmlns:p="http://schemas.openxmlformats.org/presentationml/2006/main">
+  <p:cSld>
+    <p:spTree>
+      <p:nvGrpSpPr>
+        <p:cNvPr id="1" name=""/>
+        <p:cNvGrpSpPr/>
+        <p:nvPr/>
+      </p:nvGrpSpPr>
+      <p:grpSpPr>
+        <a:xfrm>
+          <a:off x="0" y="0"/>
+          <a:ext cx="0" cy="0"/>
+          <a:chOff x="0" y="0"/>
+          <a:chExt cx="0" cy="0"/>
+        </a:xfrm>
+      </p:grpSpPr>
+      <p:sp>
+        <p:nvSpPr>
+          <p:cNvPr id="2" name="Title 1"/>
+          <p:cNvSpPr>
+            <a:spLocks noGrp="1"/>
+          </p:cNvSpPr>
+          <p:nvPr>
+            <p:ph type="title"/>
+          </p:nvPr>
+        </p:nvSpPr>
+        <p:spPr/>
+        <p:txBody>
+          <a:bodyPr/>
+          <a:lstStyle/>
+          <a:p>
+            <a:r>
+              <a:rPr lang="ru-RU" dirty="0"/>
+              <a:t>Гонки (</a:t>
+            </a:r>
+            <a:r>
+              <a:rPr lang="en-US" dirty="0"/>
+              <a:t>race condition</a:t>
+            </a:r>
+            <a:r>
+              <a:rPr lang="ru-RU" dirty="0"/>
+              <a:t>)</a:t>
+            </a:r>
+          </a:p>
+        </p:txBody>
+      </p:sp>
+      <p:sp>
+        <p:nvSpPr>
+          <p:cNvPr id="3" name="Text Placeholder 2"/>
+          <p:cNvSpPr>
+            <a:spLocks noGrp="1"/>
+          </p:cNvSpPr>
+          <p:nvPr>
+            <p:ph type="body" idx="1"/>
+          </p:nvPr>
+        </p:nvSpPr>
+        <p:spPr/>
+        <p:txBody>
+          <a:bodyPr/>
+          <a:lstStyle/>
+          <a:p>
+            <a:endParaRPr lang="ru-RU"/>
+          </a:p>
+        </p:txBody>
+      </p:sp>
+    </p:spTree>
+    <p:extLst>
+      <p:ext uri="{BB962C8B-B14F-4D97-AF65-F5344CB8AC3E}">
+        <p14:creationId xmlns:p14="http://schemas.microsoft.com/office/powerpoint/2010/main" val="3892768768"/>
+      </p:ext>
+    </p:extLst>
+  </p:cSld>
+  <p:clrMapOvr>
+    <a:masterClrMapping/>
+  </p:clrMapOvr>
+  <p:timing>
+    <p:tnLst>
+      <p:par>
+        <p:cTn id="1" dur="indefinite" restart="never" nodeType="tmRoot"/>
+      </p:par>
+    </p:tnLst>
+  </p:timing>
+</p:sld>
+</file>
+
+<file path=ppt/slides/slide11.xml><?xml version="1.0" encoding="utf-8"?>
+<p:sld xmlns:a="http://schemas.openxmlformats.org/drawingml/2006/main" xmlns:r="http://schemas.openxmlformats.org/officeDocument/2006/relationships" xmlns:p="http://schemas.openxmlformats.org/presentationml/2006/main">
+  <p:cSld>
+    <p:spTree>
+      <p:nvGrpSpPr>
+        <p:cNvPr id="1" name=""/>
+        <p:cNvGrpSpPr/>
+        <p:nvPr/>
+      </p:nvGrpSpPr>
+      <p:grpSpPr>
+        <a:xfrm>
+          <a:off x="0" y="0"/>
+          <a:ext cx="0" cy="0"/>
+          <a:chOff x="0" y="0"/>
+          <a:chExt cx="0" cy="0"/>
+        </a:xfrm>
+      </p:grpSpPr>
+      <p:sp>
+        <p:nvSpPr>
+          <p:cNvPr id="2" name="Title 1"/>
+          <p:cNvSpPr>
+            <a:spLocks noGrp="1"/>
+          </p:cNvSpPr>
+          <p:nvPr>
+            <p:ph type="title"/>
+          </p:nvPr>
+        </p:nvSpPr>
+        <p:spPr/>
+        <p:txBody>
+          <a:bodyPr/>
+          <a:lstStyle/>
+          <a:p>
+            <a:r>
+              <a:rPr lang="ru-RU" dirty="0"/>
+              <a:t>Гонки (</a:t>
+            </a:r>
+            <a:r>
+              <a:rPr lang="en-US" dirty="0"/>
+              <a:t>race condition</a:t>
+            </a:r>
+            <a:r>
+              <a:rPr lang="ru-RU" dirty="0"/>
+              <a:t>)</a:t>
+            </a:r>
+          </a:p>
+        </p:txBody>
+      </p:sp>
+      <p:sp>
+        <p:nvSpPr>
+          <p:cNvPr id="3" name="Text Placeholder 2"/>
+          <p:cNvSpPr>
+            <a:spLocks noGrp="1"/>
+          </p:cNvSpPr>
+          <p:nvPr>
+            <p:ph type="body" idx="1"/>
+          </p:nvPr>
+        </p:nvSpPr>
+        <p:spPr/>
+        <p:txBody>
+          <a:bodyPr/>
+          <a:lstStyle/>
+          <a:p>
+            <a:endParaRPr lang="ru-RU"/>
+          </a:p>
+        </p:txBody>
+      </p:sp>
+    </p:spTree>
+    <p:extLst>
+      <p:ext uri="{BB962C8B-B14F-4D97-AF65-F5344CB8AC3E}">
+        <p14:creationId xmlns:p14="http://schemas.microsoft.com/office/powerpoint/2010/main" val="3892768768"/>
+      </p:ext>
+    </p:extLst>
+  </p:cSld>
+  <p:clrMapOvr>
+    <a:masterClrMapping/>
+  </p:clrMapOvr>
+</p:sld>
+</file>
+
+<file path=ppt/slides/slide12.xml><?xml version="1.0" encoding="utf-8"?>
+<p:sld xmlns:a="http://schemas.openxmlformats.org/drawingml/2006/main" xmlns:r="http://schemas.openxmlformats.org/officeDocument/2006/relationships" xmlns:p="http://schemas.openxmlformats.org/presentationml/2006/main">
+  <p:cSld>
+    <p:spTree>
+      <p:nvGrpSpPr>
+        <p:cNvPr id="1" name=""/>
+        <p:cNvGrpSpPr/>
+        <p:nvPr/>
+      </p:nvGrpSpPr>
+      <p:grpSpPr>
+        <a:xfrm>
+          <a:off x="0" y="0"/>
+          <a:ext cx="0" cy="0"/>
+          <a:chOff x="0" y="0"/>
+          <a:chExt cx="0" cy="0"/>
+        </a:xfrm>
+      </p:grpSpPr>
+      <p:sp>
+        <p:nvSpPr>
+          <p:cNvPr id="2" name="Title 1"/>
+          <p:cNvSpPr>
+            <a:spLocks noGrp="1"/>
+          </p:cNvSpPr>
+          <p:nvPr>
+            <p:ph type="title"/>
+          </p:nvPr>
+        </p:nvSpPr>
+        <p:spPr/>
+        <p:txBody>
+          <a:bodyPr/>
+          <a:lstStyle/>
+          <a:p>
+            <a:r>
+              <a:rPr lang="ru-RU" dirty="0"/>
+              <a:t>Гонки (</a:t>
+            </a:r>
+            <a:r>
+              <a:rPr lang="en-US" dirty="0"/>
+              <a:t>race condition</a:t>
+            </a:r>
+            <a:r>
+              <a:rPr lang="ru-RU" dirty="0"/>
+              <a:t>)</a:t>
+            </a:r>
+          </a:p>
+        </p:txBody>
+      </p:sp>
+      <p:sp>
+        <p:nvSpPr>
+          <p:cNvPr id="3" name="Text Placeholder 2"/>
+          <p:cNvSpPr>
+            <a:spLocks noGrp="1"/>
+          </p:cNvSpPr>
+          <p:nvPr>
+            <p:ph type="body" idx="1"/>
+          </p:nvPr>
+        </p:nvSpPr>
+        <p:spPr/>
+        <p:txBody>
+          <a:bodyPr/>
+          <a:lstStyle/>
+          <a:p>
+            <a:endParaRPr lang="ru-RU"/>
+          </a:p>
+        </p:txBody>
+      </p:sp>
+    </p:spTree>
+    <p:extLst>
+      <p:ext uri="{BB962C8B-B14F-4D97-AF65-F5344CB8AC3E}">
+        <p14:creationId xmlns:p14="http://schemas.microsoft.com/office/powerpoint/2010/main" val="3892768768"/>
+      </p:ext>
+    </p:extLst>
+  </p:cSld>
+  <p:clrMapOvr>
+    <a:masterClrMapping/>
+  </p:clrMapOvr>
+</p:sld>
+</file>
+
+<file path=ppt/slides/slide13.xml><?xml version="1.0" encoding="utf-8"?>
+<p:sld xmlns:a="http://schemas.openxmlformats.org/drawingml/2006/main" xmlns:r="http://schemas.openxmlformats.org/officeDocument/2006/relationships" xmlns:p="http://schemas.openxmlformats.org/presentationml/2006/main">
+  <p:cSld>
+    <p:spTree>
+      <p:nvGrpSpPr>
+        <p:cNvPr id="1" name=""/>
+        <p:cNvGrpSpPr/>
+        <p:nvPr/>
+      </p:nvGrpSpPr>
+      <p:grpSpPr>
+        <a:xfrm>
+          <a:off x="0" y="0"/>
+          <a:ext cx="0" cy="0"/>
+          <a:chOff x="0" y="0"/>
+          <a:chExt cx="0" cy="0"/>
+        </a:xfrm>
+      </p:grpSpPr>
+      <p:sp>
+        <p:nvSpPr>
+          <p:cNvPr id="2" name="Title 1"/>
+          <p:cNvSpPr>
+            <a:spLocks noGrp="1"/>
+          </p:cNvSpPr>
+          <p:nvPr>
+            <p:ph type="title"/>
+          </p:nvPr>
+        </p:nvSpPr>
+        <p:spPr/>
+        <p:txBody>
+          <a:bodyPr/>
+          <a:lstStyle/>
+          <a:p>
+            <a:r>
+              <a:rPr lang="ru-RU" dirty="0" smtClean="0"/>
+              <a:t>Неатомарные операции</a:t>
+            </a:r>
+            <a:endParaRPr lang="ru-RU" dirty="0"/>
+          </a:p>
+        </p:txBody>
+      </p:sp>
+      <p:sp>
+        <p:nvSpPr>
+          <p:cNvPr id="3" name="Text Placeholder 2"/>
+          <p:cNvSpPr>
+            <a:spLocks noGrp="1"/>
+          </p:cNvSpPr>
+          <p:nvPr>
+            <p:ph type="body" idx="1"/>
+          </p:nvPr>
+        </p:nvSpPr>
+        <p:spPr/>
+        <p:txBody>
+          <a:bodyPr/>
+          <a:lstStyle/>
+          <a:p>
+            <a:endParaRPr lang="ru-RU"/>
+          </a:p>
+        </p:txBody>
+      </p:sp>
+    </p:spTree>
+    <p:extLst>
+      <p:ext uri="{BB962C8B-B14F-4D97-AF65-F5344CB8AC3E}">
+        <p14:creationId xmlns:p14="http://schemas.microsoft.com/office/powerpoint/2010/main" val="93972758"/>
+      </p:ext>
+    </p:extLst>
+  </p:cSld>
+  <p:clrMapOvr>
+    <a:masterClrMapping/>
+  </p:clrMapOvr>
+</p:sld>
+</file>
+
+<file path=ppt/slides/slide14.xml><?xml version="1.0" encoding="utf-8"?>
+<p:sld xmlns:a="http://schemas.openxmlformats.org/drawingml/2006/main" xmlns:r="http://schemas.openxmlformats.org/officeDocument/2006/relationships" xmlns:p="http://schemas.openxmlformats.org/presentationml/2006/main">
+  <p:cSld>
+    <p:spTree>
+      <p:nvGrpSpPr>
+        <p:cNvPr id="1" name=""/>
+        <p:cNvGrpSpPr/>
+        <p:nvPr/>
+      </p:nvGrpSpPr>
+      <p:grpSpPr>
+        <a:xfrm>
+          <a:off x="0" y="0"/>
+          <a:ext cx="0" cy="0"/>
+          <a:chOff x="0" y="0"/>
+          <a:chExt cx="0" cy="0"/>
+        </a:xfrm>
+      </p:grpSpPr>
+      <p:sp>
+        <p:nvSpPr>
+          <p:cNvPr id="2" name="Title 1"/>
+          <p:cNvSpPr>
+            <a:spLocks noGrp="1"/>
+          </p:cNvSpPr>
+          <p:nvPr>
+            <p:ph type="title"/>
+          </p:nvPr>
+        </p:nvSpPr>
+        <p:spPr/>
+        <p:txBody>
+          <a:bodyPr/>
+          <a:lstStyle/>
+          <a:p>
+            <a:r>
+              <a:rPr lang="ru-RU" dirty="0" smtClean="0"/>
+              <a:t>Блокировки в объектах (</a:t>
+            </a:r>
+            <a:r>
+              <a:rPr lang="en-US" dirty="0" smtClean="0"/>
+              <a:t>monitor</a:t>
+            </a:r>
+            <a:r>
+              <a:rPr lang="ru-RU" dirty="0" smtClean="0"/>
+              <a:t>)</a:t>
+            </a:r>
+            <a:endParaRPr lang="ru-RU" dirty="0"/>
+          </a:p>
+        </p:txBody>
+      </p:sp>
+      <p:sp>
+        <p:nvSpPr>
+          <p:cNvPr id="3" name="Text Placeholder 2"/>
+          <p:cNvSpPr>
+            <a:spLocks noGrp="1"/>
+          </p:cNvSpPr>
+          <p:nvPr>
+            <p:ph type="body" idx="1"/>
+          </p:nvPr>
+        </p:nvSpPr>
+        <p:spPr/>
+        <p:txBody>
+          <a:bodyPr/>
+          <a:lstStyle/>
+          <a:p>
+            <a:endParaRPr lang="ru-RU"/>
+          </a:p>
+        </p:txBody>
+      </p:sp>
+    </p:spTree>
+    <p:extLst>
+      <p:ext uri="{BB962C8B-B14F-4D97-AF65-F5344CB8AC3E}">
+        <p14:creationId xmlns:p14="http://schemas.microsoft.com/office/powerpoint/2010/main" val="1839546612"/>
+      </p:ext>
+    </p:extLst>
+  </p:cSld>
+  <p:clrMapOvr>
+    <a:masterClrMapping/>
+  </p:clrMapOvr>
+</p:sld>
+</file>
+
+<file path=ppt/slides/slide15.xml><?xml version="1.0" encoding="utf-8"?>
+<p:sld xmlns:a="http://schemas.openxmlformats.org/drawingml/2006/main" xmlns:r="http://schemas.openxmlformats.org/officeDocument/2006/relationships" xmlns:p="http://schemas.openxmlformats.org/presentationml/2006/main">
+  <p:cSld>
+    <p:spTree>
+      <p:nvGrpSpPr>
+        <p:cNvPr id="1" name=""/>
+        <p:cNvGrpSpPr/>
+        <p:nvPr/>
+      </p:nvGrpSpPr>
+      <p:grpSpPr>
+        <a:xfrm>
+          <a:off x="0" y="0"/>
+          <a:ext cx="0" cy="0"/>
+          <a:chOff x="0" y="0"/>
+          <a:chExt cx="0" cy="0"/>
+        </a:xfrm>
+      </p:grpSpPr>
+      <p:sp>
+        <p:nvSpPr>
+          <p:cNvPr id="2" name="Title 1"/>
+          <p:cNvSpPr>
+            <a:spLocks noGrp="1"/>
+          </p:cNvSpPr>
+          <p:nvPr>
+            <p:ph type="title"/>
+          </p:nvPr>
+        </p:nvSpPr>
+        <p:spPr/>
+        <p:txBody>
+          <a:bodyPr/>
+          <a:lstStyle/>
+          <a:p>
+            <a:r>
+              <a:rPr lang="ru-RU" dirty="0" smtClean="0"/>
+              <a:t>Оператор </a:t>
+            </a:r>
+            <a:r>
+              <a:rPr lang="en-US" dirty="0" smtClean="0"/>
+              <a:t>synchronized</a:t>
+            </a:r>
+            <a:endParaRPr lang="ru-RU" dirty="0"/>
+          </a:p>
+        </p:txBody>
+      </p:sp>
+      <p:sp>
+        <p:nvSpPr>
+          <p:cNvPr id="3" name="Text Placeholder 2"/>
+          <p:cNvSpPr>
+            <a:spLocks noGrp="1"/>
+          </p:cNvSpPr>
+          <p:nvPr>
+            <p:ph type="body" idx="1"/>
+          </p:nvPr>
+        </p:nvSpPr>
+        <p:spPr/>
+        <p:txBody>
+          <a:bodyPr/>
+          <a:lstStyle/>
+          <a:p>
+            <a:endParaRPr lang="ru-RU"/>
+          </a:p>
+        </p:txBody>
+      </p:sp>
+    </p:spTree>
+    <p:extLst>
+      <p:ext uri="{BB962C8B-B14F-4D97-AF65-F5344CB8AC3E}">
+        <p14:creationId xmlns:p14="http://schemas.microsoft.com/office/powerpoint/2010/main" val="43947006"/>
+      </p:ext>
+    </p:extLst>
+  </p:cSld>
+  <p:clrMapOvr>
+    <a:masterClrMapping/>
+  </p:clrMapOvr>
+</p:sld>
+</file>
+
+<file path=ppt/slides/slide16.xml><?xml version="1.0" encoding="utf-8"?>
+<p:sld xmlns:a="http://schemas.openxmlformats.org/drawingml/2006/main" xmlns:r="http://schemas.openxmlformats.org/officeDocument/2006/relationships" xmlns:p="http://schemas.openxmlformats.org/presentationml/2006/main">
+  <p:cSld>
+    <p:spTree>
+      <p:nvGrpSpPr>
+        <p:cNvPr id="1" name=""/>
+        <p:cNvGrpSpPr/>
+        <p:nvPr/>
+      </p:nvGrpSpPr>
+      <p:grpSpPr>
+        <a:xfrm>
+          <a:off x="0" y="0"/>
+          <a:ext cx="0" cy="0"/>
+          <a:chOff x="0" y="0"/>
+          <a:chExt cx="0" cy="0"/>
+        </a:xfrm>
+      </p:grpSpPr>
+      <p:sp>
+        <p:nvSpPr>
+          <p:cNvPr id="2" name="Title 1"/>
+          <p:cNvSpPr>
+            <a:spLocks noGrp="1"/>
+          </p:cNvSpPr>
+          <p:nvPr>
+            <p:ph type="title"/>
+          </p:nvPr>
+        </p:nvSpPr>
+        <p:spPr/>
+        <p:txBody>
+          <a:bodyPr/>
+          <a:lstStyle/>
+          <a:p>
+            <a:r>
+              <a:rPr lang="ru-RU" dirty="0" smtClean="0"/>
+              <a:t>Модификатор </a:t>
+            </a:r>
+            <a:r>
+              <a:rPr lang="en-US" dirty="0" smtClean="0"/>
+              <a:t>synchronized</a:t>
+            </a:r>
+            <a:endParaRPr lang="ru-RU" dirty="0"/>
+          </a:p>
+        </p:txBody>
+      </p:sp>
+      <p:sp>
+        <p:nvSpPr>
+          <p:cNvPr id="3" name="Text Placeholder 2"/>
+          <p:cNvSpPr>
+            <a:spLocks noGrp="1"/>
+          </p:cNvSpPr>
+          <p:nvPr>
+            <p:ph type="body" idx="1"/>
+          </p:nvPr>
+        </p:nvSpPr>
+        <p:spPr/>
+        <p:txBody>
+          <a:bodyPr/>
+          <a:lstStyle/>
+          <a:p>
+            <a:endParaRPr lang="ru-RU"/>
+          </a:p>
+        </p:txBody>
+      </p:sp>
+    </p:spTree>
+    <p:extLst>
+      <p:ext uri="{BB962C8B-B14F-4D97-AF65-F5344CB8AC3E}">
+        <p14:creationId xmlns:p14="http://schemas.microsoft.com/office/powerpoint/2010/main" val="1301596166"/>
+      </p:ext>
+    </p:extLst>
+  </p:cSld>
+  <p:clrMapOvr>
+    <a:masterClrMapping/>
+  </p:clrMapOvr>
+  <p:timing>
+    <p:tnLst>
+      <p:par>
+        <p:cTn id="1" dur="indefinite" restart="never" nodeType="tmRoot"/>
+      </p:par>
+    </p:tnLst>
+  </p:timing>
+</p:sld>
+</file>
+
+<file path=ppt/slides/slide17.xml><?xml version="1.0" encoding="utf-8"?>
+<p:sld xmlns:a="http://schemas.openxmlformats.org/drawingml/2006/main" xmlns:r="http://schemas.openxmlformats.org/officeDocument/2006/relationships" xmlns:p="http://schemas.openxmlformats.org/presentationml/2006/main">
+  <p:cSld>
+    <p:spTree>
+      <p:nvGrpSpPr>
+        <p:cNvPr id="1" name=""/>
+        <p:cNvGrpSpPr/>
+        <p:nvPr/>
+      </p:nvGrpSpPr>
+      <p:grpSpPr>
+        <a:xfrm>
+          <a:off x="0" y="0"/>
+          <a:ext cx="0" cy="0"/>
+          <a:chOff x="0" y="0"/>
+          <a:chExt cx="0" cy="0"/>
+        </a:xfrm>
+      </p:grpSpPr>
+      <p:sp>
+        <p:nvSpPr>
+          <p:cNvPr id="2" name="Title 1"/>
+          <p:cNvSpPr>
+            <a:spLocks noGrp="1"/>
+          </p:cNvSpPr>
+          <p:nvPr>
+            <p:ph type="title"/>
+          </p:nvPr>
+        </p:nvSpPr>
+        <p:spPr/>
+        <p:txBody>
+          <a:bodyPr/>
+          <a:lstStyle/>
+          <a:p>
+            <a:r>
+              <a:rPr lang="en-US" dirty="0" smtClean="0"/>
+              <a:t>Deadlock</a:t>
+            </a:r>
+            <a:endParaRPr lang="ru-RU" dirty="0"/>
+          </a:p>
+        </p:txBody>
+      </p:sp>
+      <p:sp>
+        <p:nvSpPr>
+          <p:cNvPr id="3" name="Text Placeholder 2"/>
+          <p:cNvSpPr>
+            <a:spLocks noGrp="1"/>
+          </p:cNvSpPr>
+          <p:nvPr>
+            <p:ph type="body" idx="1"/>
+          </p:nvPr>
+        </p:nvSpPr>
+        <p:spPr/>
+        <p:txBody>
+          <a:bodyPr/>
+          <a:lstStyle/>
+          <a:p>
+            <a:endParaRPr lang="ru-RU"/>
+          </a:p>
+        </p:txBody>
+      </p:sp>
+    </p:spTree>
+    <p:extLst>
+      <p:ext uri="{BB962C8B-B14F-4D97-AF65-F5344CB8AC3E}">
+        <p14:creationId xmlns:p14="http://schemas.microsoft.com/office/powerpoint/2010/main" val="3136444679"/>
+      </p:ext>
+    </p:extLst>
+  </p:cSld>
+  <p:clrMapOvr>
+    <a:masterClrMapping/>
+  </p:clrMapOvr>
+  <p:timing>
+    <p:tnLst>
+      <p:par>
+        <p:cTn id="1" dur="indefinite" restart="never" nodeType="tmRoot"/>
+      </p:par>
+    </p:tnLst>
+  </p:timing>
+</p:sld>
+</file>
+
+<file path=ppt/slides/slide18.xml><?xml version="1.0" encoding="utf-8"?>
+<p:sld xmlns:a="http://schemas.openxmlformats.org/drawingml/2006/main" xmlns:r="http://schemas.openxmlformats.org/officeDocument/2006/relationships" xmlns:p="http://schemas.openxmlformats.org/presentationml/2006/main">
+  <p:cSld>
+    <p:spTree>
+      <p:nvGrpSpPr>
+        <p:cNvPr id="1" name=""/>
+        <p:cNvGrpSpPr/>
+        <p:nvPr/>
+      </p:nvGrpSpPr>
+      <p:grpSpPr>
+        <a:xfrm>
+          <a:off x="0" y="0"/>
+          <a:ext cx="0" cy="0"/>
+          <a:chOff x="0" y="0"/>
+          <a:chExt cx="0" cy="0"/>
+        </a:xfrm>
+      </p:grpSpPr>
+      <p:sp>
+        <p:nvSpPr>
+          <p:cNvPr id="2" name="Title 1"/>
+          <p:cNvSpPr>
+            <a:spLocks noGrp="1"/>
+          </p:cNvSpPr>
+          <p:nvPr>
+            <p:ph type="title"/>
+          </p:nvPr>
+        </p:nvSpPr>
+        <p:spPr/>
+        <p:txBody>
+          <a:bodyPr/>
+          <a:lstStyle/>
+          <a:p>
+            <a:r>
+              <a:rPr lang="ru-RU" dirty="0" smtClean="0"/>
+              <a:t>Вопросы</a:t>
+            </a:r>
+            <a:endParaRPr lang="ru-RU" dirty="0"/>
+          </a:p>
+        </p:txBody>
+      </p:sp>
+      <p:sp>
+        <p:nvSpPr>
+          <p:cNvPr id="3" name="Text Placeholder 2"/>
+          <p:cNvSpPr>
+            <a:spLocks noGrp="1"/>
+          </p:cNvSpPr>
+          <p:nvPr>
+            <p:ph type="body" idx="1"/>
+          </p:nvPr>
+        </p:nvSpPr>
+        <p:spPr/>
+        <p:txBody>
+          <a:bodyPr/>
+          <a:lstStyle/>
+          <a:p>
+            <a:endParaRPr lang="ru-RU" dirty="0" smtClean="0"/>
+          </a:p>
+          <a:p>
+            <a:endParaRPr lang="ru-RU" dirty="0"/>
+          </a:p>
+          <a:p>
+            <a:endParaRPr lang="ru-RU" dirty="0" smtClean="0"/>
+          </a:p>
+          <a:p>
+            <a:endParaRPr lang="ru-RU" dirty="0"/>
+          </a:p>
+          <a:p>
+            <a:endParaRPr lang="ru-RU" dirty="0" smtClean="0"/>
+          </a:p>
+          <a:p>
+            <a:endParaRPr lang="ru-RU" dirty="0" smtClean="0"/>
+          </a:p>
+          <a:p>
+            <a:pPr algn="r"/>
+            <a:r>
+              <a:rPr lang="en-US" sz="2000" dirty="0">
+                <a:hlinkClick r:id="rId2"/>
+              </a:rPr>
+              <a:t>vladimir.p.polyakov@gmail.com</a:t>
+            </a:r>
+            <a:endParaRPr lang="ru-RU" sz="2000" dirty="0"/>
+          </a:p>
+          <a:p>
+            <a:pPr algn="r"/>
+            <a:r>
+              <a:rPr lang="en-US" sz="2000" dirty="0" smtClean="0">
+                <a:hlinkClick r:id="rId3"/>
+              </a:rPr>
+              <a:t>https</a:t>
+            </a:r>
+            <a:r>
+              <a:rPr lang="en-US" sz="2000" dirty="0">
+                <a:hlinkClick r:id="rId3"/>
+              </a:rPr>
+              <a:t>://</a:t>
+            </a:r>
+            <a:r>
+              <a:rPr lang="en-US" sz="2000" dirty="0" smtClean="0">
+                <a:hlinkClick r:id="rId3"/>
+              </a:rPr>
+              <a:t>github.com/drxaos-edu</a:t>
+            </a:r>
+            <a:endParaRPr lang="ru-RU" sz="2000" dirty="0" smtClean="0"/>
+          </a:p>
+          <a:p>
+            <a:endParaRPr lang="ru-RU" dirty="0"/>
+          </a:p>
+        </p:txBody>
+      </p:sp>
+      <p:pic>
+        <p:nvPicPr>
+          <p:cNvPr id="1026" name="Picture 2" descr="F:\Documents and Settings\xaos\Мои документы\Downloads\duck.png"/>
+          <p:cNvPicPr>
+            <a:picLocks noChangeAspect="1" noChangeArrowheads="1"/>
+          </p:cNvPicPr>
+          <p:nvPr/>
+        </p:nvPicPr>
+        <p:blipFill>
+          <a:blip r:embed="rId4">
+            <a:lum bright="70000" contrast="-70000"/>
+            <a:extLst>
+              <a:ext uri="{28A0092B-C50C-407E-A947-70E740481C1C}">
+                <a14:useLocalDpi xmlns:a14="http://schemas.microsoft.com/office/drawing/2010/main" val="0"/>
+              </a:ext>
+            </a:extLst>
+          </a:blip>
+          <a:srcRect/>
+          <a:stretch>
+            <a:fillRect/>
+          </a:stretch>
+        </p:blipFill>
+        <p:spPr bwMode="auto">
+          <a:xfrm>
+            <a:off x="3563888" y="1635646"/>
+            <a:ext cx="1872208" cy="1872208"/>
+          </a:xfrm>
+          <a:prstGeom prst="rect">
+            <a:avLst/>
+          </a:prstGeom>
+          <a:noFill/>
+          <a:extLst>
+            <a:ext uri="{909E8E84-426E-40DD-AFC4-6F175D3DCCD1}">
+              <a14:hiddenFill xmlns:a14="http://schemas.microsoft.com/office/drawing/2010/main">
+                <a:solidFill>
+                  <a:srgbClr val="FFFFFF"/>
+                </a:solidFill>
+              </a14:hiddenFill>
+            </a:ext>
+          </a:extLst>
+        </p:spPr>
+      </p:pic>
+    </p:spTree>
+    <p:extLst>
+      <p:ext uri="{BB962C8B-B14F-4D97-AF65-F5344CB8AC3E}">
+        <p14:creationId xmlns:p14="http://schemas.microsoft.com/office/powerpoint/2010/main" val="2807471425"/>
+      </p:ext>
+    </p:extLst>
+  </p:cSld>
+  <p:clrMapOvr>
+    <a:masterClrMapping/>
+  </p:clrMapOvr>
+  <p:timing>
+    <p:tnLst>
+      <p:par>
+        <p:cTn id="1" dur="indefinite" restart="never" nodeType="tmRoot"/>
+      </p:par>
+    </p:tnLst>
+  </p:timing>
 </p:sld>
 </file>
 
@@ -3012,7 +3860,7 @@
           <a:p>
             <a:r>
               <a:rPr lang="ru-RU" dirty="0" smtClean="0"/>
-              <a:t>Основы</a:t>
+              <a:t>Запуск потока</a:t>
             </a:r>
             <a:endParaRPr lang="ru-RU" dirty="0"/>
           </a:p>
@@ -3106,7 +3954,15 @@
             </a:r>
             <a:r>
               <a:rPr lang="en-US" sz="2400" dirty="0"/>
-              <a:t> extends Thread {</a:t>
+              <a:t> extends </a:t>
+            </a:r>
+            <a:r>
+              <a:rPr lang="en-US" sz="2400" b="1" dirty="0"/>
+              <a:t>Thread</a:t>
+            </a:r>
+            <a:r>
+              <a:rPr lang="en-US" sz="2400" dirty="0"/>
+              <a:t> {</a:t>
             </a:r>
           </a:p>
           <a:p>
@@ -3132,7 +3988,7 @@
         </p:nvSpPr>
         <p:spPr>
           <a:xfrm>
-            <a:off x="539552" y="2905440"/>
+            <a:off x="539552" y="2787774"/>
             <a:ext cx="7955356" cy="1200329"/>
           </a:xfrm>
           <a:prstGeom prst="rect">
@@ -3187,11 +4043,19 @@
           <a:p>
             <a:r>
               <a:rPr lang="en-US" sz="2400" dirty="0" err="1"/>
-              <a:t>mt.start</a:t>
+              <a:t>mt.</a:t>
+            </a:r>
+            <a:r>
+              <a:rPr lang="en-US" sz="2400" b="1" dirty="0" err="1"/>
+              <a:t>start</a:t>
+            </a:r>
+            <a:r>
+              <a:rPr lang="en-US" sz="2400" b="1" dirty="0"/>
+              <a:t>()</a:t>
             </a:r>
             <a:r>
               <a:rPr lang="en-US" sz="2400" dirty="0"/>
-              <a:t>();		// Starts thread running at run()</a:t>
+              <a:t>;		// Starts thread running at run()</a:t>
             </a:r>
           </a:p>
           <a:p>
@@ -3210,6 +4074,48 @@
           </a:p>
         </p:txBody>
       </p:sp>
+      <p:pic>
+        <p:nvPicPr>
+          <p:cNvPr id="6" name="Picture 2" descr="F:\Documents and Settings\xaos\Мои документы\Downloads\informatics.png"/>
+          <p:cNvPicPr>
+            <a:picLocks noChangeAspect="1" noChangeArrowheads="1"/>
+          </p:cNvPicPr>
+          <p:nvPr/>
+        </p:nvPicPr>
+        <p:blipFill>
+          <a:blip r:embed="rId2">
+            <a:lum bright="70000" contrast="-70000"/>
+            <a:extLst>
+              <a:ext uri="{28A0092B-C50C-407E-A947-70E740481C1C}">
+                <a14:useLocalDpi xmlns:a14="http://schemas.microsoft.com/office/drawing/2010/main" val="0"/>
+              </a:ext>
+            </a:extLst>
+          </a:blip>
+          <a:srcRect/>
+          <a:stretch>
+            <a:fillRect/>
+          </a:stretch>
+        </p:blipFill>
+        <p:spPr bwMode="auto">
+          <a:xfrm>
+            <a:off x="4234134" y="4227934"/>
+            <a:ext cx="566192" cy="566192"/>
+          </a:xfrm>
+          <a:prstGeom prst="rect">
+            <a:avLst/>
+          </a:prstGeom>
+          <a:noFill/>
+          <a:extLst>
+            <a:ext uri="{909E8E84-426E-40DD-AFC4-6F175D3DCCD1}">
+              <a14:hiddenFill xmlns:a14="http://schemas.microsoft.com/office/drawing/2010/main">
+                <a:solidFill>
+                  <a:srgbClr val="FFFFFF"/>
+                </a:solidFill>
+              </a14:hiddenFill>
+            </a:ext>
+          </a:extLst>
+        </p:spPr>
+      </p:pic>
     </p:spTree>
     <p:extLst>
       <p:ext uri="{BB962C8B-B14F-4D97-AF65-F5344CB8AC3E}">
@@ -3263,8 +4169,8 @@
           <a:lstStyle/>
           <a:p>
             <a:r>
-              <a:rPr lang="ru-RU" dirty="0" smtClean="0"/>
-              <a:t>Основы</a:t>
+              <a:rPr lang="en-US" dirty="0" smtClean="0"/>
+              <a:t>Thread</a:t>
             </a:r>
             <a:endParaRPr lang="ru-RU" dirty="0"/>
           </a:p>
@@ -3425,7 +4331,11 @@
           <a:bodyPr/>
           <a:lstStyle/>
           <a:p>
-            <a:endParaRPr lang="ru-RU"/>
+            <a:r>
+              <a:rPr lang="en-US" dirty="0"/>
+              <a:t>sleep()</a:t>
+            </a:r>
+            <a:endParaRPr lang="ru-RU" dirty="0"/>
           </a:p>
         </p:txBody>
       </p:sp>
@@ -3444,14 +4354,650 @@
           <a:bodyPr/>
           <a:lstStyle/>
           <a:p>
+            <a:r>
+              <a:rPr lang="ru-RU" dirty="0" smtClean="0"/>
+              <a:t>С какой частотой выводится строка «</a:t>
+            </a:r>
+            <a:r>
+              <a:rPr lang="en-US" dirty="0" smtClean="0"/>
+              <a:t>Tick</a:t>
+            </a:r>
+            <a:r>
+              <a:rPr lang="ru-RU" dirty="0" smtClean="0"/>
+              <a:t>»</a:t>
+            </a:r>
+            <a:r>
+              <a:rPr lang="en-US" dirty="0" smtClean="0"/>
+              <a:t>?</a:t>
+            </a:r>
+            <a:endParaRPr lang="ru-RU" dirty="0"/>
+          </a:p>
+        </p:txBody>
+      </p:sp>
+      <p:sp>
+        <p:nvSpPr>
+          <p:cNvPr id="4" name="TextBox 3"/>
+          <p:cNvSpPr txBox="1"/>
+          <p:nvPr/>
+        </p:nvSpPr>
+        <p:spPr>
+          <a:xfrm>
+            <a:off x="1619672" y="1851670"/>
+            <a:ext cx="5981125" cy="2862322"/>
+          </a:xfrm>
+          <a:prstGeom prst="rect">
+            <a:avLst/>
+          </a:prstGeom>
+        </p:spPr>
+        <p:style>
+          <a:lnRef idx="3">
+            <a:schemeClr val="lt1"/>
+          </a:lnRef>
+          <a:fillRef idx="1">
+            <a:schemeClr val="dk1"/>
+          </a:fillRef>
+          <a:effectRef idx="1">
+            <a:schemeClr val="dk1"/>
+          </a:effectRef>
+          <a:fontRef idx="minor">
+            <a:schemeClr val="lt1"/>
+          </a:fontRef>
+        </p:style>
+        <p:txBody>
+          <a:bodyPr wrap="none" rtlCol="0">
+            <a:spAutoFit/>
+          </a:bodyPr>
+          <a:lstStyle/>
+          <a:p>
+            <a:r>
+              <a:rPr lang="en-US" sz="1800" dirty="0"/>
+              <a:t>public void run() {</a:t>
+            </a:r>
+          </a:p>
+          <a:p>
+            <a:r>
+              <a:rPr lang="en-US" sz="1800" dirty="0"/>
+              <a:t>  for(;;) {</a:t>
+            </a:r>
+          </a:p>
+          <a:p>
+            <a:r>
+              <a:rPr lang="en-US" sz="1800" dirty="0"/>
+              <a:t>    try {</a:t>
+            </a:r>
+          </a:p>
+          <a:p>
+            <a:r>
+              <a:rPr lang="en-US" sz="1800" dirty="0"/>
+              <a:t>      sleep(1000); // Pause for 1 second</a:t>
+            </a:r>
+          </a:p>
+          <a:p>
+            <a:r>
+              <a:rPr lang="en-US" sz="1800" dirty="0"/>
+              <a:t>    } catch (</a:t>
+            </a:r>
+            <a:r>
+              <a:rPr lang="en-US" sz="1800" dirty="0" err="1"/>
+              <a:t>InterruptedException</a:t>
+            </a:r>
+            <a:r>
+              <a:rPr lang="en-US" sz="1800" dirty="0"/>
+              <a:t> e) {</a:t>
+            </a:r>
+          </a:p>
+          <a:p>
+            <a:r>
+              <a:rPr lang="en-US" sz="1800" dirty="0"/>
+              <a:t>       return;		// caused by </a:t>
+            </a:r>
+            <a:r>
+              <a:rPr lang="en-US" sz="1800" dirty="0" err="1"/>
+              <a:t>thread.interrupt</a:t>
+            </a:r>
+            <a:r>
+              <a:rPr lang="en-US" sz="1800" dirty="0"/>
+              <a:t>()</a:t>
+            </a:r>
+          </a:p>
+          <a:p>
+            <a:r>
+              <a:rPr lang="en-US" sz="1800" dirty="0"/>
+              <a:t>    }</a:t>
+            </a:r>
+          </a:p>
+          <a:p>
+            <a:r>
+              <a:rPr lang="en-US" sz="1800" dirty="0"/>
+              <a:t>    </a:t>
+            </a:r>
+            <a:r>
+              <a:rPr lang="en-US" sz="1800" dirty="0" err="1"/>
+              <a:t>System.out.println</a:t>
+            </a:r>
+            <a:r>
+              <a:rPr lang="en-US" sz="1800" dirty="0"/>
+              <a:t>(“Tick”);</a:t>
+            </a:r>
+          </a:p>
+          <a:p>
+            <a:r>
+              <a:rPr lang="en-US" sz="1800" dirty="0"/>
+              <a:t>  }</a:t>
+            </a:r>
+          </a:p>
+          <a:p>
+            <a:r>
+              <a:rPr lang="en-US" sz="1800" dirty="0"/>
+              <a:t>}</a:t>
+            </a:r>
+            <a:endParaRPr lang="ru-RU" sz="1800" dirty="0"/>
+          </a:p>
+        </p:txBody>
+      </p:sp>
+    </p:spTree>
+    <p:extLst>
+      <p:ext uri="{BB962C8B-B14F-4D97-AF65-F5344CB8AC3E}">
+        <p14:creationId xmlns:p14="http://schemas.microsoft.com/office/powerpoint/2010/main" val="1665945269"/>
+      </p:ext>
+    </p:extLst>
+  </p:cSld>
+  <p:clrMapOvr>
+    <a:masterClrMapping/>
+  </p:clrMapOvr>
+  <p:timing>
+    <p:tnLst>
+      <p:par>
+        <p:cTn id="1" dur="indefinite" restart="never" nodeType="tmRoot"/>
+      </p:par>
+    </p:tnLst>
+  </p:timing>
+</p:sld>
+</file>
+
+<file path=ppt/slides/slide7.xml><?xml version="1.0" encoding="utf-8"?>
+<p:sld xmlns:a="http://schemas.openxmlformats.org/drawingml/2006/main" xmlns:r="http://schemas.openxmlformats.org/officeDocument/2006/relationships" xmlns:p="http://schemas.openxmlformats.org/presentationml/2006/main">
+  <p:cSld>
+    <p:spTree>
+      <p:nvGrpSpPr>
+        <p:cNvPr id="1" name=""/>
+        <p:cNvGrpSpPr/>
+        <p:nvPr/>
+      </p:nvGrpSpPr>
+      <p:grpSpPr>
+        <a:xfrm>
+          <a:off x="0" y="0"/>
+          <a:ext cx="0" cy="0"/>
+          <a:chOff x="0" y="0"/>
+          <a:chExt cx="0" cy="0"/>
+        </a:xfrm>
+      </p:grpSpPr>
+      <p:sp>
+        <p:nvSpPr>
+          <p:cNvPr id="2" name="Title 1"/>
+          <p:cNvSpPr>
+            <a:spLocks noGrp="1"/>
+          </p:cNvSpPr>
+          <p:nvPr>
+            <p:ph type="title"/>
+          </p:nvPr>
+        </p:nvSpPr>
+        <p:spPr/>
+        <p:txBody>
+          <a:bodyPr/>
+          <a:lstStyle/>
+          <a:p>
+            <a:r>
+              <a:rPr lang="ru-RU" dirty="0" smtClean="0"/>
+              <a:t>Остановка потока</a:t>
+            </a:r>
+            <a:endParaRPr lang="ru-RU" dirty="0"/>
+          </a:p>
+        </p:txBody>
+      </p:sp>
+      <p:sp>
+        <p:nvSpPr>
+          <p:cNvPr id="3" name="Text Placeholder 2"/>
+          <p:cNvSpPr>
+            <a:spLocks noGrp="1"/>
+          </p:cNvSpPr>
+          <p:nvPr>
+            <p:ph type="body" idx="1"/>
+          </p:nvPr>
+        </p:nvSpPr>
+        <p:spPr/>
+        <p:txBody>
+          <a:bodyPr/>
+          <a:lstStyle/>
+          <a:p>
+            <a:pPr marL="457200" indent="-457200">
+              <a:buFont typeface="Arial" pitchFamily="34" charset="0"/>
+              <a:buChar char="•"/>
+            </a:pPr>
+            <a:r>
+              <a:rPr lang="en-US" dirty="0" err="1"/>
+              <a:t>Thread.stop</a:t>
+            </a:r>
+            <a:r>
+              <a:rPr lang="en-US" dirty="0"/>
+              <a:t>()</a:t>
+            </a:r>
+          </a:p>
+          <a:p>
+            <a:pPr marL="457200" indent="-457200">
+              <a:buFont typeface="Arial" pitchFamily="34" charset="0"/>
+              <a:buChar char="•"/>
+            </a:pPr>
+            <a:r>
+              <a:rPr lang="en-US" dirty="0" err="1"/>
+              <a:t>Thread.suspend</a:t>
+            </a:r>
+            <a:r>
+              <a:rPr lang="en-US" dirty="0"/>
+              <a:t>()</a:t>
+            </a:r>
+          </a:p>
+          <a:p>
+            <a:pPr marL="457200" indent="-457200">
+              <a:buFont typeface="Arial" pitchFamily="34" charset="0"/>
+              <a:buChar char="•"/>
+            </a:pPr>
+            <a:r>
+              <a:rPr lang="en-US" dirty="0" err="1"/>
+              <a:t>Thread.resume</a:t>
+            </a:r>
+            <a:r>
+              <a:rPr lang="en-US" dirty="0"/>
+              <a:t>()</a:t>
+            </a:r>
+          </a:p>
+          <a:p>
+            <a:pPr marL="457200" indent="-457200">
+              <a:buFont typeface="Arial" pitchFamily="34" charset="0"/>
+              <a:buChar char="•"/>
+            </a:pPr>
+            <a:endParaRPr lang="en-US" dirty="0"/>
+          </a:p>
+          <a:p>
+            <a:pPr marL="457200" indent="-457200">
+              <a:buFont typeface="Arial" pitchFamily="34" charset="0"/>
+              <a:buChar char="•"/>
+            </a:pPr>
+            <a:r>
+              <a:rPr lang="en-US" dirty="0" err="1"/>
+              <a:t>Thread.interrupt</a:t>
+            </a:r>
+            <a:r>
+              <a:rPr lang="en-US" dirty="0"/>
+              <a:t>()</a:t>
+            </a:r>
+          </a:p>
+          <a:p>
+            <a:pPr marL="457200" indent="-457200">
+              <a:buFont typeface="Arial" pitchFamily="34" charset="0"/>
+              <a:buChar char="•"/>
+            </a:pPr>
+            <a:r>
+              <a:rPr lang="en-US" dirty="0" err="1"/>
+              <a:t>Thread.interrupted</a:t>
+            </a:r>
+            <a:r>
+              <a:rPr lang="en-US" dirty="0"/>
+              <a:t>()</a:t>
+            </a:r>
+          </a:p>
+          <a:p>
+            <a:pPr marL="457200" indent="-457200">
+              <a:buFont typeface="Arial" pitchFamily="34" charset="0"/>
+              <a:buChar char="•"/>
+            </a:pPr>
+            <a:r>
+              <a:rPr lang="en-US" dirty="0" err="1"/>
+              <a:t>InterruptedException</a:t>
+            </a:r>
+            <a:endParaRPr lang="ru-RU" dirty="0"/>
+          </a:p>
+        </p:txBody>
+      </p:sp>
+      <p:sp>
+        <p:nvSpPr>
+          <p:cNvPr id="4" name="Right Brace 3"/>
+          <p:cNvSpPr/>
+          <p:nvPr/>
+        </p:nvSpPr>
+        <p:spPr>
+          <a:xfrm>
+            <a:off x="4283968" y="1203598"/>
+            <a:ext cx="432048" cy="1656184"/>
+          </a:xfrm>
+          <a:prstGeom prst="rightBrace">
+            <a:avLst>
+              <a:gd name="adj1" fmla="val 40326"/>
+              <a:gd name="adj2" fmla="val 50000"/>
+            </a:avLst>
+          </a:prstGeom>
+        </p:spPr>
+        <p:style>
+          <a:lnRef idx="3">
+            <a:schemeClr val="accent5"/>
+          </a:lnRef>
+          <a:fillRef idx="0">
+            <a:schemeClr val="accent5"/>
+          </a:fillRef>
+          <a:effectRef idx="2">
+            <a:schemeClr val="accent5"/>
+          </a:effectRef>
+          <a:fontRef idx="minor">
+            <a:schemeClr val="tx1"/>
+          </a:fontRef>
+        </p:style>
+        <p:txBody>
+          <a:bodyPr rtlCol="0" anchor="ctr"/>
+          <a:lstStyle/>
+          <a:p>
+            <a:pPr algn="ctr"/>
             <a:endParaRPr lang="ru-RU"/>
           </a:p>
         </p:txBody>
       </p:sp>
+      <p:sp>
+        <p:nvSpPr>
+          <p:cNvPr id="5" name="TextBox 4"/>
+          <p:cNvSpPr txBox="1"/>
+          <p:nvPr/>
+        </p:nvSpPr>
+        <p:spPr>
+          <a:xfrm>
+            <a:off x="4860032" y="1754691"/>
+            <a:ext cx="2560316" cy="553998"/>
+          </a:xfrm>
+          <a:prstGeom prst="rect">
+            <a:avLst/>
+          </a:prstGeom>
+          <a:noFill/>
+        </p:spPr>
+        <p:txBody>
+          <a:bodyPr wrap="none" rtlCol="0">
+            <a:spAutoFit/>
+          </a:bodyPr>
+          <a:lstStyle/>
+          <a:p>
+            <a:r>
+              <a:rPr lang="en-US" sz="3000" dirty="0">
+                <a:solidFill>
+                  <a:schemeClr val="lt1"/>
+                </a:solidFill>
+              </a:rPr>
+              <a:t>@</a:t>
+            </a:r>
+            <a:r>
+              <a:rPr lang="en-US" sz="3000" dirty="0">
+                <a:solidFill>
+                  <a:schemeClr val="lt1"/>
+                </a:solidFill>
+              </a:rPr>
+              <a:t>Deprecated</a:t>
+            </a:r>
+            <a:endParaRPr lang="ru-RU" sz="3000" dirty="0">
+              <a:solidFill>
+                <a:schemeClr val="lt1"/>
+              </a:solidFill>
+            </a:endParaRPr>
+          </a:p>
+        </p:txBody>
+      </p:sp>
+      <p:pic>
+        <p:nvPicPr>
+          <p:cNvPr id="2050" name="Picture 2" descr="F:\Documents and Settings\xaos\Мои документы\Downloads\informatics.png"/>
+          <p:cNvPicPr>
+            <a:picLocks noChangeAspect="1" noChangeArrowheads="1"/>
+          </p:cNvPicPr>
+          <p:nvPr/>
+        </p:nvPicPr>
+        <p:blipFill>
+          <a:blip r:embed="rId2">
+            <a:lum bright="70000" contrast="-70000"/>
+            <a:extLst>
+              <a:ext uri="{28A0092B-C50C-407E-A947-70E740481C1C}">
+                <a14:useLocalDpi xmlns:a14="http://schemas.microsoft.com/office/drawing/2010/main" val="0"/>
+              </a:ext>
+            </a:extLst>
+          </a:blip>
+          <a:srcRect/>
+          <a:stretch>
+            <a:fillRect/>
+          </a:stretch>
+        </p:blipFill>
+        <p:spPr bwMode="auto">
+          <a:xfrm>
+            <a:off x="5940152" y="3291830"/>
+            <a:ext cx="998240" cy="998240"/>
+          </a:xfrm>
+          <a:prstGeom prst="rect">
+            <a:avLst/>
+          </a:prstGeom>
+          <a:noFill/>
+          <a:extLst>
+            <a:ext uri="{909E8E84-426E-40DD-AFC4-6F175D3DCCD1}">
+              <a14:hiddenFill xmlns:a14="http://schemas.microsoft.com/office/drawing/2010/main">
+                <a:solidFill>
+                  <a:srgbClr val="FFFFFF"/>
+                </a:solidFill>
+              </a14:hiddenFill>
+            </a:ext>
+          </a:extLst>
+        </p:spPr>
+      </p:pic>
     </p:spTree>
     <p:extLst>
       <p:ext uri="{BB962C8B-B14F-4D97-AF65-F5344CB8AC3E}">
         <p14:creationId xmlns:p14="http://schemas.microsoft.com/office/powerpoint/2010/main" val="2820311353"/>
+      </p:ext>
+    </p:extLst>
+  </p:cSld>
+  <p:clrMapOvr>
+    <a:masterClrMapping/>
+  </p:clrMapOvr>
+  <p:timing>
+    <p:tnLst>
+      <p:par>
+        <p:cTn id="1" dur="indefinite" restart="never" nodeType="tmRoot"/>
+      </p:par>
+    </p:tnLst>
+  </p:timing>
+</p:sld>
+</file>
+
+<file path=ppt/slides/slide8.xml><?xml version="1.0" encoding="utf-8"?>
+<p:sld xmlns:a="http://schemas.openxmlformats.org/drawingml/2006/main" xmlns:r="http://schemas.openxmlformats.org/officeDocument/2006/relationships" xmlns:p="http://schemas.openxmlformats.org/presentationml/2006/main">
+  <p:cSld>
+    <p:spTree>
+      <p:nvGrpSpPr>
+        <p:cNvPr id="1" name=""/>
+        <p:cNvGrpSpPr/>
+        <p:nvPr/>
+      </p:nvGrpSpPr>
+      <p:grpSpPr>
+        <a:xfrm>
+          <a:off x="0" y="0"/>
+          <a:ext cx="0" cy="0"/>
+          <a:chOff x="0" y="0"/>
+          <a:chExt cx="0" cy="0"/>
+        </a:xfrm>
+      </p:grpSpPr>
+      <p:sp>
+        <p:nvSpPr>
+          <p:cNvPr id="2" name="Title 1"/>
+          <p:cNvSpPr>
+            <a:spLocks noGrp="1"/>
+          </p:cNvSpPr>
+          <p:nvPr>
+            <p:ph type="title"/>
+          </p:nvPr>
+        </p:nvSpPr>
+        <p:spPr/>
+        <p:txBody>
+          <a:bodyPr/>
+          <a:lstStyle/>
+          <a:p>
+            <a:r>
+              <a:rPr lang="en-US" dirty="0" smtClean="0"/>
+              <a:t>volatile</a:t>
+            </a:r>
+            <a:endParaRPr lang="ru-RU" dirty="0"/>
+          </a:p>
+        </p:txBody>
+      </p:sp>
+      <p:sp>
+        <p:nvSpPr>
+          <p:cNvPr id="3" name="Text Placeholder 2"/>
+          <p:cNvSpPr>
+            <a:spLocks noGrp="1"/>
+          </p:cNvSpPr>
+          <p:nvPr>
+            <p:ph type="body" idx="1"/>
+          </p:nvPr>
+        </p:nvSpPr>
+        <p:spPr/>
+        <p:txBody>
+          <a:bodyPr/>
+          <a:lstStyle/>
+          <a:p>
+            <a:r>
+              <a:rPr lang="ru-RU" dirty="0"/>
+              <a:t>(изменчивый, не постоянный</a:t>
+            </a:r>
+            <a:r>
+              <a:rPr lang="ru-RU" dirty="0" smtClean="0"/>
+              <a:t>)</a:t>
+            </a:r>
+          </a:p>
+          <a:p>
+            <a:endParaRPr lang="ru-RU" dirty="0"/>
+          </a:p>
+          <a:p>
+            <a:pPr marL="457200" indent="-457200">
+              <a:buFont typeface="Arial" pitchFamily="34" charset="0"/>
+              <a:buChar char="•"/>
+            </a:pPr>
+            <a:r>
+              <a:rPr lang="ru-RU" dirty="0" smtClean="0"/>
+              <a:t>Для </a:t>
+            </a:r>
+            <a:r>
+              <a:rPr lang="ru-RU" dirty="0"/>
+              <a:t>переменных, которые используются разными потоками</a:t>
+            </a:r>
+          </a:p>
+          <a:p>
+            <a:pPr marL="457200" indent="-457200">
+              <a:buFont typeface="Arial" pitchFamily="34" charset="0"/>
+              <a:buChar char="•"/>
+              <a:tabLst>
+                <a:tab pos="3136900" algn="l"/>
+              </a:tabLst>
+            </a:pPr>
+            <a:r>
+              <a:rPr lang="ru-RU" dirty="0" smtClean="0"/>
+              <a:t>Значение </a:t>
+            </a:r>
+            <a:r>
+              <a:rPr lang="ru-RU" dirty="0"/>
+              <a:t>переменной, объявленной без volatile, может кэшироваться отдельно для каждого потока</a:t>
+            </a:r>
+          </a:p>
+        </p:txBody>
+      </p:sp>
+    </p:spTree>
+    <p:extLst>
+      <p:ext uri="{BB962C8B-B14F-4D97-AF65-F5344CB8AC3E}">
+        <p14:creationId xmlns:p14="http://schemas.microsoft.com/office/powerpoint/2010/main" val="2183575668"/>
+      </p:ext>
+    </p:extLst>
+  </p:cSld>
+  <p:clrMapOvr>
+    <a:masterClrMapping/>
+  </p:clrMapOvr>
+  <p:timing>
+    <p:tnLst>
+      <p:par>
+        <p:cTn id="1" dur="indefinite" restart="never" nodeType="tmRoot"/>
+      </p:par>
+    </p:tnLst>
+  </p:timing>
+</p:sld>
+</file>
+
+<file path=ppt/slides/slide9.xml><?xml version="1.0" encoding="utf-8"?>
+<p:sld xmlns:a="http://schemas.openxmlformats.org/drawingml/2006/main" xmlns:r="http://schemas.openxmlformats.org/officeDocument/2006/relationships" xmlns:p="http://schemas.openxmlformats.org/presentationml/2006/main">
+  <p:cSld>
+    <p:spTree>
+      <p:nvGrpSpPr>
+        <p:cNvPr id="1" name=""/>
+        <p:cNvGrpSpPr/>
+        <p:nvPr/>
+      </p:nvGrpSpPr>
+      <p:grpSpPr>
+        <a:xfrm>
+          <a:off x="0" y="0"/>
+          <a:ext cx="0" cy="0"/>
+          <a:chOff x="0" y="0"/>
+          <a:chExt cx="0" cy="0"/>
+        </a:xfrm>
+      </p:grpSpPr>
+      <p:sp>
+        <p:nvSpPr>
+          <p:cNvPr id="2" name="Title 1"/>
+          <p:cNvSpPr>
+            <a:spLocks noGrp="1"/>
+          </p:cNvSpPr>
+          <p:nvPr>
+            <p:ph type="title"/>
+          </p:nvPr>
+        </p:nvSpPr>
+        <p:spPr/>
+        <p:txBody>
+          <a:bodyPr/>
+          <a:lstStyle/>
+          <a:p>
+            <a:r>
+              <a:rPr lang="ru-RU" dirty="0"/>
+              <a:t>Гонки (</a:t>
+            </a:r>
+            <a:r>
+              <a:rPr lang="en-US" dirty="0"/>
+              <a:t>race condition</a:t>
+            </a:r>
+            <a:r>
+              <a:rPr lang="ru-RU" dirty="0"/>
+              <a:t>)</a:t>
+            </a:r>
+          </a:p>
+        </p:txBody>
+      </p:sp>
+      <p:sp>
+        <p:nvSpPr>
+          <p:cNvPr id="3" name="Text Placeholder 2"/>
+          <p:cNvSpPr>
+            <a:spLocks noGrp="1"/>
+          </p:cNvSpPr>
+          <p:nvPr>
+            <p:ph type="body" idx="1"/>
+          </p:nvPr>
+        </p:nvSpPr>
+        <p:spPr/>
+        <p:txBody>
+          <a:bodyPr/>
+          <a:lstStyle/>
+          <a:p>
+            <a:endParaRPr lang="ru-RU"/>
+          </a:p>
+        </p:txBody>
+      </p:sp>
+    </p:spTree>
+    <p:extLst>
+      <p:ext uri="{BB962C8B-B14F-4D97-AF65-F5344CB8AC3E}">
+        <p14:creationId xmlns:p14="http://schemas.microsoft.com/office/powerpoint/2010/main" val="1362171049"/>
       </p:ext>
     </p:extLst>
   </p:cSld>
